--- a/HINS_MCU_V3.3/doc/True Heading 判斷.pptx
+++ b/HINS_MCU_V3.3/doc/True Heading 判斷.pptx
@@ -107,6 +107,11 @@
       </a:defRPr>
     </a:lvl9pPr>
   </p:defaultTextStyle>
+  <p:extLst>
+    <p:ext uri="{EFAFB233-063F-42B5-8137-9DF3F51BA10A}">
+      <p15:sldGuideLst xmlns:p15="http://schemas.microsoft.com/office/powerpoint/2012/main"/>
+    </p:ext>
+  </p:extLst>
 </p:presentation>
 </file>
 
@@ -257,7 +262,7 @@
           <a:p>
             <a:fld id="{2A2BBFAD-6CD3-4450-884B-685F38E3AF5E}" type="datetimeFigureOut">
               <a:rPr lang="zh-TW" altLang="en-US" smtClean="0"/>
-              <a:t>2026/1/30</a:t>
+              <a:t>2026/2/4</a:t>
             </a:fld>
             <a:endParaRPr lang="zh-TW" altLang="en-US"/>
           </a:p>
@@ -455,7 +460,7 @@
           <a:p>
             <a:fld id="{2A2BBFAD-6CD3-4450-884B-685F38E3AF5E}" type="datetimeFigureOut">
               <a:rPr lang="zh-TW" altLang="en-US" smtClean="0"/>
-              <a:t>2026/1/30</a:t>
+              <a:t>2026/2/4</a:t>
             </a:fld>
             <a:endParaRPr lang="zh-TW" altLang="en-US"/>
           </a:p>
@@ -663,7 +668,7 @@
           <a:p>
             <a:fld id="{2A2BBFAD-6CD3-4450-884B-685F38E3AF5E}" type="datetimeFigureOut">
               <a:rPr lang="zh-TW" altLang="en-US" smtClean="0"/>
-              <a:t>2026/1/30</a:t>
+              <a:t>2026/2/4</a:t>
             </a:fld>
             <a:endParaRPr lang="zh-TW" altLang="en-US"/>
           </a:p>
@@ -861,7 +866,7 @@
           <a:p>
             <a:fld id="{2A2BBFAD-6CD3-4450-884B-685F38E3AF5E}" type="datetimeFigureOut">
               <a:rPr lang="zh-TW" altLang="en-US" smtClean="0"/>
-              <a:t>2026/1/30</a:t>
+              <a:t>2026/2/4</a:t>
             </a:fld>
             <a:endParaRPr lang="zh-TW" altLang="en-US"/>
           </a:p>
@@ -1136,7 +1141,7 @@
           <a:p>
             <a:fld id="{2A2BBFAD-6CD3-4450-884B-685F38E3AF5E}" type="datetimeFigureOut">
               <a:rPr lang="zh-TW" altLang="en-US" smtClean="0"/>
-              <a:t>2026/1/30</a:t>
+              <a:t>2026/2/4</a:t>
             </a:fld>
             <a:endParaRPr lang="zh-TW" altLang="en-US"/>
           </a:p>
@@ -1401,7 +1406,7 @@
           <a:p>
             <a:fld id="{2A2BBFAD-6CD3-4450-884B-685F38E3AF5E}" type="datetimeFigureOut">
               <a:rPr lang="zh-TW" altLang="en-US" smtClean="0"/>
-              <a:t>2026/1/30</a:t>
+              <a:t>2026/2/4</a:t>
             </a:fld>
             <a:endParaRPr lang="zh-TW" altLang="en-US"/>
           </a:p>
@@ -1813,7 +1818,7 @@
           <a:p>
             <a:fld id="{2A2BBFAD-6CD3-4450-884B-685F38E3AF5E}" type="datetimeFigureOut">
               <a:rPr lang="zh-TW" altLang="en-US" smtClean="0"/>
-              <a:t>2026/1/30</a:t>
+              <a:t>2026/2/4</a:t>
             </a:fld>
             <a:endParaRPr lang="zh-TW" altLang="en-US"/>
           </a:p>
@@ -1954,7 +1959,7 @@
           <a:p>
             <a:fld id="{2A2BBFAD-6CD3-4450-884B-685F38E3AF5E}" type="datetimeFigureOut">
               <a:rPr lang="zh-TW" altLang="en-US" smtClean="0"/>
-              <a:t>2026/1/30</a:t>
+              <a:t>2026/2/4</a:t>
             </a:fld>
             <a:endParaRPr lang="zh-TW" altLang="en-US"/>
           </a:p>
@@ -2067,7 +2072,7 @@
           <a:p>
             <a:fld id="{2A2BBFAD-6CD3-4450-884B-685F38E3AF5E}" type="datetimeFigureOut">
               <a:rPr lang="zh-TW" altLang="en-US" smtClean="0"/>
-              <a:t>2026/1/30</a:t>
+              <a:t>2026/2/4</a:t>
             </a:fld>
             <a:endParaRPr lang="zh-TW" altLang="en-US"/>
           </a:p>
@@ -2378,7 +2383,7 @@
           <a:p>
             <a:fld id="{2A2BBFAD-6CD3-4450-884B-685F38E3AF5E}" type="datetimeFigureOut">
               <a:rPr lang="zh-TW" altLang="en-US" smtClean="0"/>
-              <a:t>2026/1/30</a:t>
+              <a:t>2026/2/4</a:t>
             </a:fld>
             <a:endParaRPr lang="zh-TW" altLang="en-US"/>
           </a:p>
@@ -2666,7 +2671,7 @@
           <a:p>
             <a:fld id="{2A2BBFAD-6CD3-4450-884B-685F38E3AF5E}" type="datetimeFigureOut">
               <a:rPr lang="zh-TW" altLang="en-US" smtClean="0"/>
-              <a:t>2026/1/30</a:t>
+              <a:t>2026/2/4</a:t>
             </a:fld>
             <a:endParaRPr lang="zh-TW" altLang="en-US"/>
           </a:p>
@@ -2907,7 +2912,7 @@
           <a:p>
             <a:fld id="{2A2BBFAD-6CD3-4450-884B-685F38E3AF5E}" type="datetimeFigureOut">
               <a:rPr lang="zh-TW" altLang="en-US" smtClean="0"/>
-              <a:t>2026/1/30</a:t>
+              <a:t>2026/2/4</a:t>
             </a:fld>
             <a:endParaRPr lang="zh-TW" altLang="en-US"/>
           </a:p>
@@ -4438,6 +4443,587 @@
           <a:chExt cx="0" cy="0"/>
         </a:xfrm>
       </p:grpSpPr>
+      <p:grpSp>
+        <p:nvGrpSpPr>
+          <p:cNvPr id="4" name="群組 3">
+            <a:extLst>
+              <a:ext uri="{FF2B5EF4-FFF2-40B4-BE49-F238E27FC236}">
+                <a16:creationId xmlns:a16="http://schemas.microsoft.com/office/drawing/2014/main" id="{937C123F-D775-127B-68DC-B1466A26EE38}"/>
+              </a:ext>
+            </a:extLst>
+          </p:cNvPr>
+          <p:cNvGrpSpPr/>
+          <p:nvPr/>
+        </p:nvGrpSpPr>
+        <p:grpSpPr>
+          <a:xfrm>
+            <a:off x="4710318" y="111463"/>
+            <a:ext cx="1580321" cy="993913"/>
+            <a:chOff x="4486523" y="417443"/>
+            <a:chExt cx="1580321" cy="993913"/>
+          </a:xfrm>
+        </p:grpSpPr>
+        <p:sp>
+          <p:nvSpPr>
+            <p:cNvPr id="2" name="橢圓 1">
+              <a:extLst>
+                <a:ext uri="{FF2B5EF4-FFF2-40B4-BE49-F238E27FC236}">
+                  <a16:creationId xmlns:a16="http://schemas.microsoft.com/office/drawing/2014/main" id="{70D67DDC-6C2C-25C0-F95D-E357A3B618B9}"/>
+                </a:ext>
+              </a:extLst>
+            </p:cNvPr>
+            <p:cNvSpPr/>
+            <p:nvPr/>
+          </p:nvSpPr>
+          <p:spPr>
+            <a:xfrm>
+              <a:off x="4532243" y="417443"/>
+              <a:ext cx="1441174" cy="993913"/>
+            </a:xfrm>
+            <a:prstGeom prst="ellipse">
+              <a:avLst/>
+            </a:prstGeom>
+            <a:noFill/>
+          </p:spPr>
+          <p:style>
+            <a:lnRef idx="2">
+              <a:schemeClr val="accent1">
+                <a:shade val="15000"/>
+              </a:schemeClr>
+            </a:lnRef>
+            <a:fillRef idx="1">
+              <a:schemeClr val="accent1"/>
+            </a:fillRef>
+            <a:effectRef idx="0">
+              <a:schemeClr val="accent1"/>
+            </a:effectRef>
+            <a:fontRef idx="minor">
+              <a:schemeClr val="lt1"/>
+            </a:fontRef>
+          </p:style>
+          <p:txBody>
+            <a:bodyPr rtlCol="0" anchor="ctr"/>
+            <a:lstStyle/>
+            <a:p>
+              <a:pPr algn="ctr"/>
+              <a:endParaRPr lang="zh-TW" altLang="en-US"/>
+            </a:p>
+          </p:txBody>
+        </p:sp>
+        <p:sp>
+          <p:nvSpPr>
+            <p:cNvPr id="3" name="文字方塊 2">
+              <a:extLst>
+                <a:ext uri="{FF2B5EF4-FFF2-40B4-BE49-F238E27FC236}">
+                  <a16:creationId xmlns:a16="http://schemas.microsoft.com/office/drawing/2014/main" id="{9C19127B-0B1E-5DE7-5349-84E734EF4893}"/>
+                </a:ext>
+              </a:extLst>
+            </p:cNvPr>
+            <p:cNvSpPr txBox="1"/>
+            <p:nvPr/>
+          </p:nvSpPr>
+          <p:spPr>
+            <a:xfrm>
+              <a:off x="4486523" y="629929"/>
+              <a:ext cx="1580321" cy="523220"/>
+            </a:xfrm>
+            <a:prstGeom prst="rect">
+              <a:avLst/>
+            </a:prstGeom>
+            <a:noFill/>
+          </p:spPr>
+          <p:txBody>
+            <a:bodyPr wrap="square" rtlCol="0">
+              <a:spAutoFit/>
+            </a:bodyPr>
+            <a:lstStyle/>
+            <a:p>
+              <a:pPr algn="ctr"/>
+              <a:r>
+                <a:rPr lang="en-US" altLang="zh-TW" sz="1400" dirty="0">
+                  <a:latin typeface="Times New Roman" panose="02020603050405020304" pitchFamily="18" charset="0"/>
+                  <a:cs typeface="Times New Roman" panose="02020603050405020304" pitchFamily="18" charset="0"/>
+                </a:rPr>
+                <a:t>FOG AHRS streaming start</a:t>
+              </a:r>
+              <a:endParaRPr lang="zh-TW" altLang="en-US" sz="1400" dirty="0">
+                <a:latin typeface="Times New Roman" panose="02020603050405020304" pitchFamily="18" charset="0"/>
+                <a:cs typeface="Times New Roman" panose="02020603050405020304" pitchFamily="18" charset="0"/>
+              </a:endParaRPr>
+            </a:p>
+          </p:txBody>
+        </p:sp>
+      </p:grpSp>
+      <p:grpSp>
+        <p:nvGrpSpPr>
+          <p:cNvPr id="7" name="群組 6">
+            <a:extLst>
+              <a:ext uri="{FF2B5EF4-FFF2-40B4-BE49-F238E27FC236}">
+                <a16:creationId xmlns:a16="http://schemas.microsoft.com/office/drawing/2014/main" id="{8163C26F-7E30-3850-8189-D715DE299225}"/>
+              </a:ext>
+            </a:extLst>
+          </p:cNvPr>
+          <p:cNvGrpSpPr/>
+          <p:nvPr/>
+        </p:nvGrpSpPr>
+        <p:grpSpPr>
+          <a:xfrm>
+            <a:off x="4533733" y="1502156"/>
+            <a:ext cx="1981200" cy="923925"/>
+            <a:chOff x="4533733" y="1738312"/>
+            <a:chExt cx="1981200" cy="923925"/>
+          </a:xfrm>
+        </p:grpSpPr>
+        <p:sp>
+          <p:nvSpPr>
+            <p:cNvPr id="5" name="菱形 4">
+              <a:extLst>
+                <a:ext uri="{FF2B5EF4-FFF2-40B4-BE49-F238E27FC236}">
+                  <a16:creationId xmlns:a16="http://schemas.microsoft.com/office/drawing/2014/main" id="{DC29CFE1-F6FB-2F7D-F6FD-39537BA0EF6C}"/>
+                </a:ext>
+              </a:extLst>
+            </p:cNvPr>
+            <p:cNvSpPr/>
+            <p:nvPr/>
+          </p:nvSpPr>
+          <p:spPr>
+            <a:xfrm>
+              <a:off x="4533733" y="1738312"/>
+              <a:ext cx="1981200" cy="923925"/>
+            </a:xfrm>
+            <a:prstGeom prst="diamond">
+              <a:avLst/>
+            </a:prstGeom>
+            <a:solidFill>
+              <a:schemeClr val="bg1"/>
+            </a:solidFill>
+          </p:spPr>
+          <p:style>
+            <a:lnRef idx="2">
+              <a:schemeClr val="accent1">
+                <a:shade val="15000"/>
+              </a:schemeClr>
+            </a:lnRef>
+            <a:fillRef idx="1">
+              <a:schemeClr val="accent1"/>
+            </a:fillRef>
+            <a:effectRef idx="0">
+              <a:schemeClr val="accent1"/>
+            </a:effectRef>
+            <a:fontRef idx="minor">
+              <a:schemeClr val="lt1"/>
+            </a:fontRef>
+          </p:style>
+          <p:txBody>
+            <a:bodyPr rtlCol="0" anchor="ctr"/>
+            <a:lstStyle/>
+            <a:p>
+              <a:pPr algn="ctr"/>
+              <a:endParaRPr lang="zh-TW" altLang="en-US"/>
+            </a:p>
+          </p:txBody>
+        </p:sp>
+        <p:sp>
+          <p:nvSpPr>
+            <p:cNvPr id="6" name="文字方塊 5">
+              <a:extLst>
+                <a:ext uri="{FF2B5EF4-FFF2-40B4-BE49-F238E27FC236}">
+                  <a16:creationId xmlns:a16="http://schemas.microsoft.com/office/drawing/2014/main" id="{222FEA24-EB30-F287-21E3-615D598893E2}"/>
+                </a:ext>
+              </a:extLst>
+            </p:cNvPr>
+            <p:cNvSpPr txBox="1"/>
+            <p:nvPr/>
+          </p:nvSpPr>
+          <p:spPr>
+            <a:xfrm>
+              <a:off x="4810041" y="1938664"/>
+              <a:ext cx="1380877" cy="523220"/>
+            </a:xfrm>
+            <a:prstGeom prst="rect">
+              <a:avLst/>
+            </a:prstGeom>
+            <a:noFill/>
+          </p:spPr>
+          <p:txBody>
+            <a:bodyPr wrap="square" rtlCol="0">
+              <a:spAutoFit/>
+            </a:bodyPr>
+            <a:lstStyle/>
+            <a:p>
+              <a:pPr algn="ctr"/>
+              <a:r>
+                <a:rPr lang="en-US" altLang="zh-TW" sz="1400" dirty="0">
+                  <a:latin typeface="Times New Roman" panose="02020603050405020304" pitchFamily="18" charset="0"/>
+                  <a:cs typeface="Times New Roman" panose="02020603050405020304" pitchFamily="18" charset="0"/>
+                </a:rPr>
+                <a:t>dual Ant. Fix type =2 ? </a:t>
+              </a:r>
+              <a:endParaRPr lang="zh-TW" altLang="en-US" sz="1400" dirty="0">
+                <a:latin typeface="Times New Roman" panose="02020603050405020304" pitchFamily="18" charset="0"/>
+                <a:cs typeface="Times New Roman" panose="02020603050405020304" pitchFamily="18" charset="0"/>
+              </a:endParaRPr>
+            </a:p>
+          </p:txBody>
+        </p:sp>
+      </p:grpSp>
+      <p:grpSp>
+        <p:nvGrpSpPr>
+          <p:cNvPr id="10" name="群組 9">
+            <a:extLst>
+              <a:ext uri="{FF2B5EF4-FFF2-40B4-BE49-F238E27FC236}">
+                <a16:creationId xmlns:a16="http://schemas.microsoft.com/office/drawing/2014/main" id="{066190AB-F8F6-F6C9-EB89-77902680085C}"/>
+              </a:ext>
+            </a:extLst>
+          </p:cNvPr>
+          <p:cNvGrpSpPr/>
+          <p:nvPr/>
+        </p:nvGrpSpPr>
+        <p:grpSpPr>
+          <a:xfrm>
+            <a:off x="4933617" y="2863752"/>
+            <a:ext cx="1380877" cy="542925"/>
+            <a:chOff x="7181973" y="2971800"/>
+            <a:chExt cx="1380877" cy="542925"/>
+          </a:xfrm>
+        </p:grpSpPr>
+        <p:sp>
+          <p:nvSpPr>
+            <p:cNvPr id="8" name="矩形 7">
+              <a:extLst>
+                <a:ext uri="{FF2B5EF4-FFF2-40B4-BE49-F238E27FC236}">
+                  <a16:creationId xmlns:a16="http://schemas.microsoft.com/office/drawing/2014/main" id="{121A03AC-A8F3-2B99-AC5E-6321385E22A7}"/>
+                </a:ext>
+              </a:extLst>
+            </p:cNvPr>
+            <p:cNvSpPr/>
+            <p:nvPr/>
+          </p:nvSpPr>
+          <p:spPr>
+            <a:xfrm>
+              <a:off x="7334250" y="2971800"/>
+              <a:ext cx="1076325" cy="542925"/>
+            </a:xfrm>
+            <a:prstGeom prst="rect">
+              <a:avLst/>
+            </a:prstGeom>
+            <a:solidFill>
+              <a:schemeClr val="bg1"/>
+            </a:solidFill>
+          </p:spPr>
+          <p:style>
+            <a:lnRef idx="2">
+              <a:schemeClr val="accent1">
+                <a:shade val="15000"/>
+              </a:schemeClr>
+            </a:lnRef>
+            <a:fillRef idx="1">
+              <a:schemeClr val="accent1"/>
+            </a:fillRef>
+            <a:effectRef idx="0">
+              <a:schemeClr val="accent1"/>
+            </a:effectRef>
+            <a:fontRef idx="minor">
+              <a:schemeClr val="lt1"/>
+            </a:fontRef>
+          </p:style>
+          <p:txBody>
+            <a:bodyPr rtlCol="0" anchor="ctr"/>
+            <a:lstStyle/>
+            <a:p>
+              <a:pPr algn="ctr"/>
+              <a:endParaRPr lang="zh-TW" altLang="en-US" dirty="0"/>
+            </a:p>
+          </p:txBody>
+        </p:sp>
+        <p:sp>
+          <p:nvSpPr>
+            <p:cNvPr id="9" name="文字方塊 8">
+              <a:extLst>
+                <a:ext uri="{FF2B5EF4-FFF2-40B4-BE49-F238E27FC236}">
+                  <a16:creationId xmlns:a16="http://schemas.microsoft.com/office/drawing/2014/main" id="{45905F09-CD6F-FEA4-B7E9-68291B490ED7}"/>
+                </a:ext>
+              </a:extLst>
+            </p:cNvPr>
+            <p:cNvSpPr txBox="1"/>
+            <p:nvPr/>
+          </p:nvSpPr>
+          <p:spPr>
+            <a:xfrm>
+              <a:off x="7181973" y="3089373"/>
+              <a:ext cx="1380877" cy="307777"/>
+            </a:xfrm>
+            <a:prstGeom prst="rect">
+              <a:avLst/>
+            </a:prstGeom>
+            <a:noFill/>
+          </p:spPr>
+          <p:txBody>
+            <a:bodyPr wrap="square" rtlCol="0">
+              <a:spAutoFit/>
+            </a:bodyPr>
+            <a:lstStyle/>
+            <a:p>
+              <a:pPr algn="ctr"/>
+              <a:r>
+                <a:rPr lang="en-US" altLang="zh-TW" sz="1400" dirty="0">
+                  <a:latin typeface="Times New Roman" panose="02020603050405020304" pitchFamily="18" charset="0"/>
+                  <a:cs typeface="Times New Roman" panose="02020603050405020304" pitchFamily="18" charset="0"/>
+                </a:rPr>
+                <a:t>wait 5 sec</a:t>
+              </a:r>
+              <a:endParaRPr lang="zh-TW" altLang="en-US" sz="1400" dirty="0">
+                <a:latin typeface="Times New Roman" panose="02020603050405020304" pitchFamily="18" charset="0"/>
+                <a:cs typeface="Times New Roman" panose="02020603050405020304" pitchFamily="18" charset="0"/>
+              </a:endParaRPr>
+            </a:p>
+          </p:txBody>
+        </p:sp>
+      </p:grpSp>
+      <p:grpSp>
+        <p:nvGrpSpPr>
+          <p:cNvPr id="11" name="群組 10">
+            <a:extLst>
+              <a:ext uri="{FF2B5EF4-FFF2-40B4-BE49-F238E27FC236}">
+                <a16:creationId xmlns:a16="http://schemas.microsoft.com/office/drawing/2014/main" id="{A913733F-E982-6074-02DB-C368B20140C9}"/>
+              </a:ext>
+            </a:extLst>
+          </p:cNvPr>
+          <p:cNvGrpSpPr/>
+          <p:nvPr/>
+        </p:nvGrpSpPr>
+        <p:grpSpPr>
+          <a:xfrm>
+            <a:off x="4534974" y="3844346"/>
+            <a:ext cx="3561275" cy="1861129"/>
+            <a:chOff x="4533733" y="1738312"/>
+            <a:chExt cx="1981200" cy="923925"/>
+          </a:xfrm>
+        </p:grpSpPr>
+        <p:sp>
+          <p:nvSpPr>
+            <p:cNvPr id="12" name="菱形 11">
+              <a:extLst>
+                <a:ext uri="{FF2B5EF4-FFF2-40B4-BE49-F238E27FC236}">
+                  <a16:creationId xmlns:a16="http://schemas.microsoft.com/office/drawing/2014/main" id="{9FB5FF34-49F5-4262-FE04-4E6D8119D338}"/>
+                </a:ext>
+              </a:extLst>
+            </p:cNvPr>
+            <p:cNvSpPr/>
+            <p:nvPr/>
+          </p:nvSpPr>
+          <p:spPr>
+            <a:xfrm>
+              <a:off x="4533733" y="1738312"/>
+              <a:ext cx="1981200" cy="923925"/>
+            </a:xfrm>
+            <a:prstGeom prst="diamond">
+              <a:avLst/>
+            </a:prstGeom>
+            <a:solidFill>
+              <a:schemeClr val="bg1"/>
+            </a:solidFill>
+          </p:spPr>
+          <p:style>
+            <a:lnRef idx="2">
+              <a:schemeClr val="accent1">
+                <a:shade val="15000"/>
+              </a:schemeClr>
+            </a:lnRef>
+            <a:fillRef idx="1">
+              <a:schemeClr val="accent1"/>
+            </a:fillRef>
+            <a:effectRef idx="0">
+              <a:schemeClr val="accent1"/>
+            </a:effectRef>
+            <a:fontRef idx="minor">
+              <a:schemeClr val="lt1"/>
+            </a:fontRef>
+          </p:style>
+          <p:txBody>
+            <a:bodyPr rtlCol="0" anchor="ctr"/>
+            <a:lstStyle/>
+            <a:p>
+              <a:pPr algn="ctr"/>
+              <a:endParaRPr lang="zh-TW" altLang="en-US"/>
+            </a:p>
+          </p:txBody>
+        </p:sp>
+        <p:sp>
+          <p:nvSpPr>
+            <p:cNvPr id="13" name="文字方塊 12">
+              <a:extLst>
+                <a:ext uri="{FF2B5EF4-FFF2-40B4-BE49-F238E27FC236}">
+                  <a16:creationId xmlns:a16="http://schemas.microsoft.com/office/drawing/2014/main" id="{7418B3D6-3AB0-BCBB-1E99-D998E7AE5FA8}"/>
+                </a:ext>
+              </a:extLst>
+            </p:cNvPr>
+            <p:cNvSpPr txBox="1"/>
+            <p:nvPr/>
+          </p:nvSpPr>
+          <p:spPr>
+            <a:xfrm>
+              <a:off x="4840219" y="2016926"/>
+              <a:ext cx="1380877" cy="366697"/>
+            </a:xfrm>
+            <a:prstGeom prst="rect">
+              <a:avLst/>
+            </a:prstGeom>
+            <a:noFill/>
+          </p:spPr>
+          <p:txBody>
+            <a:bodyPr wrap="square" rtlCol="0">
+              <a:spAutoFit/>
+            </a:bodyPr>
+            <a:lstStyle/>
+            <a:p>
+              <a:pPr algn="ctr"/>
+              <a:r>
+                <a:rPr lang="en-US" altLang="zh-TW" sz="1400" dirty="0">
+                  <a:latin typeface="Times New Roman" panose="02020603050405020304" pitchFamily="18" charset="0"/>
+                  <a:cs typeface="Times New Roman" panose="02020603050405020304" pitchFamily="18" charset="0"/>
+                </a:rPr>
+                <a:t>dual Ant. ==2 </a:t>
+              </a:r>
+            </a:p>
+            <a:p>
+              <a:pPr algn="ctr"/>
+              <a:r>
+                <a:rPr lang="en-US" altLang="zh-TW" sz="1400" dirty="0">
+                  <a:latin typeface="Times New Roman" panose="02020603050405020304" pitchFamily="18" charset="0"/>
+                  <a:cs typeface="Times New Roman" panose="02020603050405020304" pitchFamily="18" charset="0"/>
+                </a:rPr>
+                <a:t>&amp;&amp; </a:t>
+              </a:r>
+            </a:p>
+            <a:p>
+              <a:pPr algn="ctr"/>
+              <a:r>
+                <a:rPr lang="en-US" altLang="zh-TW" sz="1400" dirty="0">
+                  <a:latin typeface="Times New Roman" panose="02020603050405020304" pitchFamily="18" charset="0"/>
+                  <a:cs typeface="Times New Roman" panose="02020603050405020304" pitchFamily="18" charset="0"/>
+                </a:rPr>
+                <a:t>Valid flag = 1 ?</a:t>
+              </a:r>
+              <a:endParaRPr lang="zh-TW" altLang="en-US" sz="1400" dirty="0">
+                <a:latin typeface="Times New Roman" panose="02020603050405020304" pitchFamily="18" charset="0"/>
+                <a:cs typeface="Times New Roman" panose="02020603050405020304" pitchFamily="18" charset="0"/>
+              </a:endParaRPr>
+            </a:p>
+          </p:txBody>
+        </p:sp>
+      </p:grpSp>
+      <p:grpSp>
+        <p:nvGrpSpPr>
+          <p:cNvPr id="14" name="群組 13">
+            <a:extLst>
+              <a:ext uri="{FF2B5EF4-FFF2-40B4-BE49-F238E27FC236}">
+                <a16:creationId xmlns:a16="http://schemas.microsoft.com/office/drawing/2014/main" id="{838F250D-6D5A-636B-9800-F866E9E58C0A}"/>
+              </a:ext>
+            </a:extLst>
+          </p:cNvPr>
+          <p:cNvGrpSpPr/>
+          <p:nvPr/>
+        </p:nvGrpSpPr>
+        <p:grpSpPr>
+          <a:xfrm>
+            <a:off x="7691643" y="1432168"/>
+            <a:ext cx="1580321" cy="993913"/>
+            <a:chOff x="4486523" y="417443"/>
+            <a:chExt cx="1580321" cy="993913"/>
+          </a:xfrm>
+        </p:grpSpPr>
+        <p:sp>
+          <p:nvSpPr>
+            <p:cNvPr id="15" name="橢圓 14">
+              <a:extLst>
+                <a:ext uri="{FF2B5EF4-FFF2-40B4-BE49-F238E27FC236}">
+                  <a16:creationId xmlns:a16="http://schemas.microsoft.com/office/drawing/2014/main" id="{A3DA65B0-5623-2C2B-587F-D80BC301593D}"/>
+                </a:ext>
+              </a:extLst>
+            </p:cNvPr>
+            <p:cNvSpPr/>
+            <p:nvPr/>
+          </p:nvSpPr>
+          <p:spPr>
+            <a:xfrm>
+              <a:off x="4532243" y="417443"/>
+              <a:ext cx="1441174" cy="993913"/>
+            </a:xfrm>
+            <a:prstGeom prst="ellipse">
+              <a:avLst/>
+            </a:prstGeom>
+            <a:noFill/>
+          </p:spPr>
+          <p:style>
+            <a:lnRef idx="2">
+              <a:schemeClr val="accent1">
+                <a:shade val="15000"/>
+              </a:schemeClr>
+            </a:lnRef>
+            <a:fillRef idx="1">
+              <a:schemeClr val="accent1"/>
+            </a:fillRef>
+            <a:effectRef idx="0">
+              <a:schemeClr val="accent1"/>
+            </a:effectRef>
+            <a:fontRef idx="minor">
+              <a:schemeClr val="lt1"/>
+            </a:fontRef>
+          </p:style>
+          <p:txBody>
+            <a:bodyPr rtlCol="0" anchor="ctr"/>
+            <a:lstStyle/>
+            <a:p>
+              <a:pPr algn="ctr"/>
+              <a:endParaRPr lang="zh-TW" altLang="en-US"/>
+            </a:p>
+          </p:txBody>
+        </p:sp>
+        <p:sp>
+          <p:nvSpPr>
+            <p:cNvPr id="16" name="文字方塊 15">
+              <a:extLst>
+                <a:ext uri="{FF2B5EF4-FFF2-40B4-BE49-F238E27FC236}">
+                  <a16:creationId xmlns:a16="http://schemas.microsoft.com/office/drawing/2014/main" id="{72F886D6-2604-D5E2-DBAA-E844391E01BD}"/>
+                </a:ext>
+              </a:extLst>
+            </p:cNvPr>
+            <p:cNvSpPr txBox="1"/>
+            <p:nvPr/>
+          </p:nvSpPr>
+          <p:spPr>
+            <a:xfrm>
+              <a:off x="4486523" y="629929"/>
+              <a:ext cx="1580321" cy="523220"/>
+            </a:xfrm>
+            <a:prstGeom prst="rect">
+              <a:avLst/>
+            </a:prstGeom>
+            <a:noFill/>
+          </p:spPr>
+          <p:txBody>
+            <a:bodyPr wrap="square" rtlCol="0">
+              <a:spAutoFit/>
+            </a:bodyPr>
+            <a:lstStyle/>
+            <a:p>
+              <a:pPr algn="ctr"/>
+              <a:r>
+                <a:rPr lang="en-US" altLang="zh-TW" sz="1400" dirty="0">
+                  <a:latin typeface="Times New Roman" panose="02020603050405020304" pitchFamily="18" charset="0"/>
+                  <a:cs typeface="Times New Roman" panose="02020603050405020304" pitchFamily="18" charset="0"/>
+                </a:rPr>
+                <a:t>FOG AHRS streaming stop</a:t>
+              </a:r>
+              <a:endParaRPr lang="zh-TW" altLang="en-US" sz="1400" dirty="0">
+                <a:latin typeface="Times New Roman" panose="02020603050405020304" pitchFamily="18" charset="0"/>
+                <a:cs typeface="Times New Roman" panose="02020603050405020304" pitchFamily="18" charset="0"/>
+              </a:endParaRPr>
+            </a:p>
+          </p:txBody>
+        </p:sp>
+      </p:grpSp>
     </p:spTree>
     <p:extLst>
       <p:ext uri="{BB962C8B-B14F-4D97-AF65-F5344CB8AC3E}">
@@ -4474,6 +5060,36 @@
           <a:chExt cx="0" cy="0"/>
         </a:xfrm>
       </p:grpSpPr>
+      <p:pic>
+        <p:nvPicPr>
+          <p:cNvPr id="5" name="圖片 4" descr="一張含有 文字, 圖表, 行 的圖片&#10;&#10;AI 產生的內容可能不正確。">
+            <a:extLst>
+              <a:ext uri="{FF2B5EF4-FFF2-40B4-BE49-F238E27FC236}">
+                <a16:creationId xmlns:a16="http://schemas.microsoft.com/office/drawing/2014/main" id="{EFD71AB0-787A-4CC7-5265-6CCA467F82E9}"/>
+              </a:ext>
+            </a:extLst>
+          </p:cNvPr>
+          <p:cNvPicPr>
+            <a:picLocks noChangeAspect="1"/>
+          </p:cNvPicPr>
+          <p:nvPr/>
+        </p:nvPicPr>
+        <p:blipFill>
+          <a:blip r:embed="rId2"/>
+          <a:stretch>
+            <a:fillRect/>
+          </a:stretch>
+        </p:blipFill>
+        <p:spPr>
+          <a:xfrm>
+            <a:off x="3338127" y="70969"/>
+            <a:ext cx="5515745" cy="6716062"/>
+          </a:xfrm>
+          <a:prstGeom prst="rect">
+            <a:avLst/>
+          </a:prstGeom>
+        </p:spPr>
+      </p:pic>
     </p:spTree>
     <p:extLst>
       <p:ext uri="{BB962C8B-B14F-4D97-AF65-F5344CB8AC3E}">
@@ -4510,6 +5126,128 @@
           <a:chExt cx="0" cy="0"/>
         </a:xfrm>
       </p:grpSpPr>
+      <p:pic>
+        <p:nvPicPr>
+          <p:cNvPr id="3" name="圖片 2" descr="一張含有 電路, 電子工程, 電子元件, 電子產品 的圖片&#10;&#10;AI 產生的內容可能不正確。">
+            <a:extLst>
+              <a:ext uri="{FF2B5EF4-FFF2-40B4-BE49-F238E27FC236}">
+                <a16:creationId xmlns:a16="http://schemas.microsoft.com/office/drawing/2014/main" id="{73790F67-935B-067A-EEFF-910301BBC468}"/>
+              </a:ext>
+            </a:extLst>
+          </p:cNvPr>
+          <p:cNvPicPr>
+            <a:picLocks noChangeAspect="1"/>
+          </p:cNvPicPr>
+          <p:nvPr/>
+        </p:nvPicPr>
+        <p:blipFill>
+          <a:blip r:embed="rId2"/>
+          <a:stretch>
+            <a:fillRect/>
+          </a:stretch>
+        </p:blipFill>
+        <p:spPr>
+          <a:xfrm>
+            <a:off x="1390650" y="2124364"/>
+            <a:ext cx="8859014" cy="4491135"/>
+          </a:xfrm>
+          <a:prstGeom prst="rect">
+            <a:avLst/>
+          </a:prstGeom>
+        </p:spPr>
+      </p:pic>
+      <p:sp>
+        <p:nvSpPr>
+          <p:cNvPr id="4" name="文字方塊 3">
+            <a:extLst>
+              <a:ext uri="{FF2B5EF4-FFF2-40B4-BE49-F238E27FC236}">
+                <a16:creationId xmlns:a16="http://schemas.microsoft.com/office/drawing/2014/main" id="{EC49E52B-0C70-082B-CC6C-684D1249E0A9}"/>
+              </a:ext>
+            </a:extLst>
+          </p:cNvPr>
+          <p:cNvSpPr txBox="1"/>
+          <p:nvPr/>
+        </p:nvSpPr>
+        <p:spPr>
+          <a:xfrm>
+            <a:off x="1228725" y="1238250"/>
+            <a:ext cx="7612982" cy="369332"/>
+          </a:xfrm>
+          <a:prstGeom prst="rect">
+            <a:avLst/>
+          </a:prstGeom>
+          <a:noFill/>
+        </p:spPr>
+        <p:txBody>
+          <a:bodyPr wrap="none" rtlCol="0">
+            <a:spAutoFit/>
+          </a:bodyPr>
+          <a:lstStyle/>
+          <a:p>
+            <a:r>
+              <a:rPr lang="en-US" altLang="zh-TW" dirty="0">
+                <a:latin typeface="微軟正黑體" panose="020B0604030504040204" pitchFamily="34" charset="-120"/>
+                <a:ea typeface="微軟正黑體" panose="020B0604030504040204" pitchFamily="34" charset="-120"/>
+                <a:cs typeface="Times New Roman" panose="02020603050405020304" pitchFamily="18" charset="0"/>
+              </a:rPr>
+              <a:t>PCB </a:t>
+            </a:r>
+            <a:r>
+              <a:rPr lang="zh-TW" altLang="en-US" dirty="0">
+                <a:latin typeface="微軟正黑體" panose="020B0604030504040204" pitchFamily="34" charset="-120"/>
+                <a:ea typeface="微軟正黑體" panose="020B0604030504040204" pitchFamily="34" charset="-120"/>
+                <a:cs typeface="Times New Roman" panose="02020603050405020304" pitchFamily="18" charset="0"/>
+              </a:rPr>
+              <a:t>上 </a:t>
+            </a:r>
+            <a:r>
+              <a:rPr lang="en-US" altLang="zh-TW" dirty="0">
+                <a:latin typeface="微軟正黑體" panose="020B0604030504040204" pitchFamily="34" charset="-120"/>
+                <a:ea typeface="微軟正黑體" panose="020B0604030504040204" pitchFamily="34" charset="-120"/>
+                <a:cs typeface="Times New Roman" panose="02020603050405020304" pitchFamily="18" charset="0"/>
+              </a:rPr>
+              <a:t>IMU</a:t>
+            </a:r>
+            <a:r>
+              <a:rPr lang="zh-TW" altLang="en-US" dirty="0">
+                <a:latin typeface="微軟正黑體" panose="020B0604030504040204" pitchFamily="34" charset="-120"/>
+                <a:ea typeface="微軟正黑體" panose="020B0604030504040204" pitchFamily="34" charset="-120"/>
+                <a:cs typeface="Times New Roman" panose="02020603050405020304" pitchFamily="18" charset="0"/>
+              </a:rPr>
+              <a:t> 與 </a:t>
+            </a:r>
+            <a:r>
+              <a:rPr lang="en-US" altLang="zh-TW" dirty="0">
+                <a:latin typeface="微軟正黑體" panose="020B0604030504040204" pitchFamily="34" charset="-120"/>
+                <a:ea typeface="微軟正黑體" panose="020B0604030504040204" pitchFamily="34" charset="-120"/>
+                <a:cs typeface="Times New Roman" panose="02020603050405020304" pitchFamily="18" charset="0"/>
+              </a:rPr>
+              <a:t>CV7 </a:t>
+            </a:r>
+            <a:r>
+              <a:rPr lang="zh-TW" altLang="en-US" dirty="0">
+                <a:latin typeface="微軟正黑體" panose="020B0604030504040204" pitchFamily="34" charset="-120"/>
+                <a:ea typeface="微軟正黑體" panose="020B0604030504040204" pitchFamily="34" charset="-120"/>
+                <a:cs typeface="Times New Roman" panose="02020603050405020304" pitchFamily="18" charset="0"/>
+              </a:rPr>
+              <a:t>坐標軸方向相同，需先一起旋轉至 </a:t>
+            </a:r>
+            <a:r>
+              <a:rPr lang="en-US" altLang="zh-TW" dirty="0">
+                <a:latin typeface="微軟正黑體" panose="020B0604030504040204" pitchFamily="34" charset="-120"/>
+                <a:ea typeface="微軟正黑體" panose="020B0604030504040204" pitchFamily="34" charset="-120"/>
+                <a:cs typeface="Times New Roman" panose="02020603050405020304" pitchFamily="18" charset="0"/>
+              </a:rPr>
+              <a:t>case/body frame</a:t>
+            </a:r>
+            <a:endParaRPr lang="zh-TW" altLang="en-US" dirty="0">
+              <a:latin typeface="微軟正黑體" panose="020B0604030504040204" pitchFamily="34" charset="-120"/>
+              <a:ea typeface="微軟正黑體" panose="020B0604030504040204" pitchFamily="34" charset="-120"/>
+              <a:cs typeface="Times New Roman" panose="02020603050405020304" pitchFamily="18" charset="0"/>
+            </a:endParaRPr>
+          </a:p>
+        </p:txBody>
+      </p:sp>
     </p:spTree>
     <p:extLst>
       <p:ext uri="{BB962C8B-B14F-4D97-AF65-F5344CB8AC3E}">
